--- a/Net core site in CentOS  from 0.pptx
+++ b/Net core site in CentOS  from 0.pptx
@@ -3005,7 +3005,33 @@
                   <a:srgbClr val="FF0000"/>
                 </a:solidFill>
               </a:rPr>
-              <a:t>.Net core site in CentOS  from </a:t>
+              <a:t>.Net core site in CentOS  </a:t>
+            </a:r>
+            <a:r>
+              <a:rPr lang="en-US" dirty="0" smtClean="0">
+                <a:solidFill>
+                  <a:srgbClr val="FF0000"/>
+                </a:solidFill>
+              </a:rPr>
+              <a:t>from </a:t>
+            </a:r>
+            <a:r>
+              <a:rPr lang="en-US" b="1" dirty="0" smtClean="0">
+                <a:solidFill>
+                  <a:schemeClr val="bg2">
+                    <a:lumMod val="10000"/>
+                  </a:schemeClr>
+                </a:solidFill>
+              </a:rPr>
+              <a:t>0</a:t>
+            </a:r>
+            <a:r>
+              <a:rPr lang="en-US" dirty="0" smtClean="0">
+                <a:solidFill>
+                  <a:srgbClr val="FF0000"/>
+                </a:solidFill>
+              </a:rPr>
+              <a:t> </a:t>
             </a:r>
             <a:r>
               <a:rPr lang="en-US" dirty="0" smtClean="0">
@@ -3016,12 +3042,22 @@
               <a:t>in </a:t>
             </a:r>
             <a:r>
+              <a:rPr lang="en-US" b="1" dirty="0" smtClean="0">
+                <a:solidFill>
+                  <a:schemeClr val="bg2">
+                    <a:lumMod val="10000"/>
+                  </a:schemeClr>
+                </a:solidFill>
+              </a:rPr>
+              <a:t>20</a:t>
+            </a:r>
+            <a:r>
               <a:rPr lang="en-US" dirty="0" smtClean="0">
                 <a:solidFill>
                   <a:srgbClr val="FF0000"/>
                 </a:solidFill>
               </a:rPr>
-              <a:t>20 minutes</a:t>
+              <a:t> minutes</a:t>
             </a:r>
             <a:endParaRPr lang="en-US" dirty="0">
               <a:solidFill>
@@ -3418,13 +3454,8 @@
             </a:r>
             <a:r>
               <a:rPr lang="en-US" dirty="0" smtClean="0"/>
-              <a:t>--</a:t>
-            </a:r>
-            <a:r>
-              <a:rPr lang="en-US" dirty="0" smtClean="0"/>
-              <a:t>reload</a:t>
-            </a:r>
-            <a:endParaRPr lang="en-US" dirty="0" smtClean="0"/>
+              <a:t>--reload</a:t>
+            </a:r>
           </a:p>
           <a:p>
             <a:pPr marL="0" indent="0">
